--- a/Aviation Data Analysis Presentation.pptx
+++ b/Aviation Data Analysis Presentation.pptx
@@ -3061,7 +3061,7 @@
           <a:p>
             <a:r>
               <a:rPr lang="en-US" b="1" dirty="0" smtClean="0"/>
-              <a:t>Problem Definition</a:t>
+              <a:t>overview</a:t>
             </a:r>
             <a:endParaRPr lang="en-US" dirty="0"/>
           </a:p>
@@ -3090,6 +3090,10 @@
             </a:r>
           </a:p>
           <a:p>
+            <a:r>
+              <a:rPr lang="en-US" b="1" dirty="0" smtClean="0"/>
+              <a:t>Problem Definition</a:t>
+            </a:r>
             <a:endParaRPr lang="en-US" b="1" dirty="0" smtClean="0"/>
           </a:p>
           <a:p>
@@ -3170,11 +3174,7 @@
             </a:br>
             <a:r>
               <a:rPr lang="en-US" sz="2400" dirty="0" smtClean="0"/>
-              <a:t>The </a:t>
-            </a:r>
-            <a:r>
-              <a:rPr lang="en-US" sz="2400" dirty="0" smtClean="0"/>
-              <a:t>below graph shows the distribution of aircrafts involved in accidents by</a:t>
+              <a:t>The below graph shows the distribution of aircrafts involved in accidents by</a:t>
             </a:r>
             <a:br>
               <a:rPr lang="en-US" sz="2400" dirty="0" smtClean="0"/>
@@ -3619,7 +3619,15 @@
             </a:pPr>
             <a:r>
               <a:rPr lang="en-US" dirty="0" smtClean="0"/>
-              <a:t>Personal accidents take the bigger proportion for aircraft accidents reported.</a:t>
+              <a:t>Personal </a:t>
+            </a:r>
+            <a:r>
+              <a:rPr lang="en-US" dirty="0" smtClean="0"/>
+              <a:t>aircraft accidents </a:t>
+            </a:r>
+            <a:r>
+              <a:rPr lang="en-US" dirty="0" smtClean="0"/>
+              <a:t>take the bigger proportion for aircraft accidents reported.</a:t>
             </a:r>
           </a:p>
           <a:p>
@@ -3629,10 +3637,7 @@
             </a:r>
           </a:p>
           <a:p>
-            <a:r>
-              <a:rPr lang="en-US" dirty="0" smtClean="0"/>
-              <a:t>3. </a:t>
-            </a:r>
+            <a:endParaRPr lang="en-US" dirty="0" smtClean="0"/>
           </a:p>
           <a:p>
             <a:endParaRPr lang="en-US" dirty="0" smtClean="0"/>
@@ -3707,7 +3712,9 @@
         </p:nvSpPr>
         <p:spPr/>
         <p:txBody>
-          <a:bodyPr/>
+          <a:bodyPr>
+            <a:normAutofit fontScale="92500" lnSpcReduction="10000"/>
+          </a:bodyPr>
           <a:lstStyle/>
           <a:p>
             <a:r>
@@ -3721,9 +3728,41 @@
               <a:t>2. Aircrafts fitted with reciprocating engine type have the high number of fatal injuries reported whenever an accident occurred</a:t>
             </a:r>
             <a:r>
-              <a:rPr lang="en-US" dirty="0"/>
+              <a:rPr lang="en-US" dirty="0" smtClean="0"/>
               <a:t>.</a:t>
             </a:r>
+          </a:p>
+          <a:p>
+            <a:pPr marL="0" indent="0">
+              <a:buNone/>
+            </a:pPr>
+            <a:r>
+              <a:rPr lang="en-US" dirty="0" smtClean="0"/>
+              <a:t>While making a choice of the aircraft by engine, the management         should avoid aircrafts with this type of engine.</a:t>
+            </a:r>
+          </a:p>
+          <a:p>
+            <a:pPr marL="0" indent="0">
+              <a:buNone/>
+            </a:pPr>
+            <a:r>
+              <a:rPr lang="en-US" dirty="0" smtClean="0"/>
+              <a:t>3. There is also need to do further analysis using other statistical measures to </a:t>
+            </a:r>
+            <a:r>
+              <a:rPr lang="en-US" dirty="0" err="1" smtClean="0"/>
+              <a:t>analyse</a:t>
+            </a:r>
+            <a:r>
+              <a:rPr lang="en-US" dirty="0" smtClean="0"/>
+              <a:t> whether there could be any correlations between weather conditions and number of accidents reported and as well as its effect to number of injuries.</a:t>
+            </a:r>
+          </a:p>
+          <a:p>
+            <a:pPr marL="0" indent="0">
+              <a:buNone/>
+            </a:pPr>
+            <a:endParaRPr lang="en-US" dirty="0"/>
           </a:p>
         </p:txBody>
       </p:sp>
